--- a/UniqueHack.pptx
+++ b/UniqueHack.pptx
@@ -37604,13 +37604,10 @@
           <a:lstStyle/>
           <a:p>
             <a:r>
-              <a:rPr kumimoji="1" lang="en-US" altLang="zh-CN" dirty="0"/>
-              <a:t>05</a:t>
+              <a:rPr kumimoji="1" lang="zh-CN" altLang="en-US" dirty="0" smtClean="0"/>
+              <a:t>服务器部分</a:t>
             </a:r>
-            <a:r>
-              <a:rPr kumimoji="1" lang="zh-CN" altLang="en-US" dirty="0"/>
-              <a:t> 总结回顾</a:t>
-            </a:r>
+            <a:endParaRPr kumimoji="1" lang="zh-CN" altLang="en-US" dirty="0"/>
           </a:p>
         </p:txBody>
       </p:sp>
@@ -37622,8 +37619,8 @@
         </p:nvSpPr>
         <p:spPr>
           <a:xfrm>
-            <a:off x="1075045" y="2230684"/>
-            <a:ext cx="9125860" cy="812530"/>
+            <a:off x="935001" y="2202319"/>
+            <a:ext cx="9125860" cy="4333494"/>
           </a:xfrm>
           <a:prstGeom prst="rect">
             <a:avLst/>
@@ -37736,86 +37733,486 @@
               </a:lnSpc>
             </a:pPr>
             <a:r>
-              <a:rPr lang="zh-CN" altLang="en-US" sz="1200" dirty="0">
+              <a:rPr lang="zh-CN" altLang="en-US" sz="2000" dirty="0" smtClean="0">
                 <a:solidFill>
                   <a:srgbClr val="000000"/>
                 </a:solidFill>
                 <a:latin typeface="+mn-ea"/>
               </a:rPr>
-              <a:t>标题数字等都可以通过点击和重新输入进行更改，顶部“开始”面板中可以对字体、字号、颜色、行距等进行修改。建议正文</a:t>
+              <a:t>服务器资源使用情况：</a:t>
+            </a:r>
+            <a:endParaRPr lang="en-US" altLang="zh-CN" sz="2000" dirty="0" smtClean="0">
+              <a:solidFill>
+                <a:srgbClr val="000000"/>
+              </a:solidFill>
+              <a:latin typeface="+mn-ea"/>
+            </a:endParaRPr>
+          </a:p>
+          <a:p>
+            <a:pPr lvl="0">
+              <a:lnSpc>
+                <a:spcPct val="130000"/>
+              </a:lnSpc>
+            </a:pPr>
+            <a:r>
+              <a:rPr lang="zh-CN" altLang="en-US" sz="1200" dirty="0">
+                <a:solidFill>
+                  <a:srgbClr val="000000"/>
+                </a:solidFill>
+                <a:latin typeface="+mn-ea"/>
+              </a:rPr>
+              <a:t>一</a:t>
             </a:r>
             <a:r>
-              <a:rPr lang="en-US" altLang="zh-CN" sz="1200" dirty="0">
+              <a:rPr lang="zh-CN" altLang="en-US" sz="1200" dirty="0" smtClean="0">
                 <a:solidFill>
                   <a:srgbClr val="000000"/>
                 </a:solidFill>
                 <a:latin typeface="+mn-ea"/>
               </a:rPr>
-              <a:t>8-14</a:t>
+              <a:t>个</a:t>
             </a:r>
             <a:r>
-              <a:rPr lang="zh-CN" altLang="en-US" sz="1200" dirty="0">
+              <a:rPr lang="en-US" altLang="zh-CN" sz="1200" dirty="0" smtClean="0">
                 <a:solidFill>
                   <a:srgbClr val="000000"/>
                 </a:solidFill>
                 <a:latin typeface="+mn-ea"/>
               </a:rPr>
-              <a:t>号字，</a:t>
+              <a:t>VPC</a:t>
             </a:r>
             <a:r>
-              <a:rPr lang="en-US" altLang="zh-CN" sz="1200" dirty="0">
+              <a:rPr lang="zh-CN" altLang="en-US" sz="1200" dirty="0" smtClean="0">
                 <a:solidFill>
                   <a:srgbClr val="000000"/>
                 </a:solidFill>
                 <a:latin typeface="+mn-ea"/>
               </a:rPr>
-              <a:t>1.3</a:t>
+              <a:t>网络，一个公网</a:t>
             </a:r>
             <a:r>
-              <a:rPr lang="zh-CN" altLang="en-US" sz="1200" dirty="0">
+              <a:rPr lang="en-US" altLang="zh-CN" sz="1200" dirty="0" smtClean="0">
                 <a:solidFill>
                   <a:srgbClr val="000000"/>
                 </a:solidFill>
                 <a:latin typeface="+mn-ea"/>
               </a:rPr>
-              <a:t>倍字间距。标题数字等都可以通过点击和重新输入进行更改，顶部“开始”面板中可以对字体、字号、颜色、行距等进行修改。建议正文</a:t>
+              <a:t>IP</a:t>
             </a:r>
             <a:r>
-              <a:rPr lang="en-US" altLang="zh-CN" sz="1200" dirty="0">
+              <a:rPr lang="zh-CN" altLang="en-US" sz="1200" dirty="0" smtClean="0">
                 <a:solidFill>
                   <a:srgbClr val="000000"/>
                 </a:solidFill>
                 <a:latin typeface="+mn-ea"/>
               </a:rPr>
-              <a:t>8-14</a:t>
+              <a:t>地址，一台普通虚拟机，一台深度学习主机。</a:t>
+            </a:r>
+            <a:endParaRPr lang="en-US" altLang="zh-CN" sz="1200" dirty="0" smtClean="0">
+              <a:solidFill>
+                <a:srgbClr val="000000"/>
+              </a:solidFill>
+              <a:latin typeface="+mn-ea"/>
+            </a:endParaRPr>
+          </a:p>
+          <a:p>
+            <a:pPr lvl="0">
+              <a:lnSpc>
+                <a:spcPct val="130000"/>
+              </a:lnSpc>
+            </a:pPr>
+            <a:r>
+              <a:rPr lang="zh-CN" altLang="en-US" sz="1200" dirty="0">
+                <a:solidFill>
+                  <a:srgbClr val="000000"/>
+                </a:solidFill>
+                <a:latin typeface="+mn-ea"/>
+              </a:rPr>
+              <a:t>公</a:t>
             </a:r>
             <a:r>
-              <a:rPr lang="zh-CN" altLang="en-US" sz="1200" dirty="0">
+              <a:rPr lang="zh-CN" altLang="en-US" sz="1200" dirty="0" smtClean="0">
                 <a:solidFill>
                   <a:srgbClr val="000000"/>
                 </a:solidFill>
                 <a:latin typeface="+mn-ea"/>
               </a:rPr>
-              <a:t>号字，</a:t>
+              <a:t>网</a:t>
             </a:r>
             <a:r>
-              <a:rPr lang="en-US" altLang="zh-CN" sz="1200" dirty="0">
+              <a:rPr lang="en-US" altLang="zh-CN" sz="1200" dirty="0" smtClean="0">
                 <a:solidFill>
                   <a:srgbClr val="000000"/>
                 </a:solidFill>
                 <a:latin typeface="+mn-ea"/>
               </a:rPr>
-              <a:t>1.3</a:t>
+              <a:t>IP</a:t>
             </a:r>
             <a:r>
-              <a:rPr lang="zh-CN" altLang="en-US" sz="1200" dirty="0">
+              <a:rPr lang="zh-CN" altLang="en-US" sz="1200" dirty="0" smtClean="0">
                 <a:solidFill>
                   <a:srgbClr val="000000"/>
                 </a:solidFill>
                 <a:latin typeface="+mn-ea"/>
               </a:rPr>
-              <a:t>倍字间距。</a:t>
+              <a:t>绑定</a:t>
             </a:r>
+            <a:r>
+              <a:rPr lang="en-US" altLang="zh-CN" sz="1200" dirty="0" smtClean="0">
+                <a:solidFill>
+                  <a:srgbClr val="000000"/>
+                </a:solidFill>
+                <a:latin typeface="+mn-ea"/>
+              </a:rPr>
+              <a:t>VPC</a:t>
+            </a:r>
+            <a:r>
+              <a:rPr lang="zh-CN" altLang="en-US" sz="1200" dirty="0" smtClean="0">
+                <a:solidFill>
+                  <a:srgbClr val="000000"/>
+                </a:solidFill>
+                <a:latin typeface="+mn-ea"/>
+              </a:rPr>
+              <a:t>网络，通过端口转发到两台主机以进行</a:t>
+            </a:r>
+            <a:r>
+              <a:rPr lang="en-US" altLang="zh-CN" sz="1200" dirty="0" smtClean="0">
+                <a:solidFill>
+                  <a:srgbClr val="000000"/>
+                </a:solidFill>
+                <a:latin typeface="+mn-ea"/>
+              </a:rPr>
+              <a:t>SSH</a:t>
+            </a:r>
+            <a:r>
+              <a:rPr lang="zh-CN" altLang="en-US" sz="1200" dirty="0" smtClean="0">
+                <a:solidFill>
+                  <a:srgbClr val="000000"/>
+                </a:solidFill>
+                <a:latin typeface="+mn-ea"/>
+              </a:rPr>
+              <a:t>连接和网页访问。</a:t>
+            </a:r>
+            <a:endParaRPr lang="en-US" altLang="zh-CN" sz="1200" dirty="0" smtClean="0">
+              <a:solidFill>
+                <a:srgbClr val="000000"/>
+              </a:solidFill>
+              <a:latin typeface="+mn-ea"/>
+            </a:endParaRPr>
+          </a:p>
+          <a:p>
+            <a:pPr lvl="0">
+              <a:lnSpc>
+                <a:spcPct val="130000"/>
+              </a:lnSpc>
+            </a:pPr>
+            <a:endParaRPr lang="en-US" altLang="zh-CN" sz="1200" dirty="0" smtClean="0">
+              <a:solidFill>
+                <a:srgbClr val="000000"/>
+              </a:solidFill>
+              <a:latin typeface="+mn-ea"/>
+            </a:endParaRPr>
+          </a:p>
+          <a:p>
+            <a:pPr lvl="0">
+              <a:lnSpc>
+                <a:spcPct val="130000"/>
+              </a:lnSpc>
+            </a:pPr>
+            <a:r>
+              <a:rPr lang="zh-CN" altLang="en-US" sz="2000" dirty="0" smtClean="0">
+                <a:solidFill>
+                  <a:srgbClr val="000000"/>
+                </a:solidFill>
+                <a:latin typeface="+mn-ea"/>
+              </a:rPr>
+              <a:t>普通虚拟机的功能：</a:t>
+            </a:r>
+            <a:endParaRPr lang="en-US" altLang="zh-CN" sz="2000" dirty="0" smtClean="0">
+              <a:solidFill>
+                <a:srgbClr val="000000"/>
+              </a:solidFill>
+              <a:latin typeface="+mn-ea"/>
+            </a:endParaRPr>
+          </a:p>
+          <a:p>
+            <a:pPr lvl="0">
+              <a:lnSpc>
+                <a:spcPct val="130000"/>
+              </a:lnSpc>
+            </a:pPr>
+            <a:r>
+              <a:rPr lang="zh-CN" altLang="en-US" sz="1200" dirty="0">
+                <a:solidFill>
+                  <a:srgbClr val="000000"/>
+                </a:solidFill>
+                <a:latin typeface="+mn-ea"/>
+              </a:rPr>
+              <a:t>普通</a:t>
+            </a:r>
+            <a:r>
+              <a:rPr lang="zh-CN" altLang="en-US" sz="1200" dirty="0" smtClean="0">
+                <a:solidFill>
+                  <a:srgbClr val="000000"/>
+                </a:solidFill>
+                <a:latin typeface="+mn-ea"/>
+              </a:rPr>
+              <a:t>虚拟机上使用</a:t>
+            </a:r>
+            <a:r>
+              <a:rPr lang="en-US" altLang="zh-CN" sz="1200" dirty="0" err="1" smtClean="0">
+                <a:solidFill>
+                  <a:srgbClr val="000000"/>
+                </a:solidFill>
+                <a:latin typeface="+mn-ea"/>
+              </a:rPr>
+              <a:t>django</a:t>
+            </a:r>
+            <a:r>
+              <a:rPr lang="zh-CN" altLang="en-US" sz="1200" dirty="0" smtClean="0">
+                <a:solidFill>
+                  <a:srgbClr val="000000"/>
+                </a:solidFill>
+                <a:latin typeface="+mn-ea"/>
+              </a:rPr>
+              <a:t>框架建站，与微信公众号连接，并提供了网页后台管理功能。即移动端和电脑端均可接触到数据信息。</a:t>
+            </a:r>
+            <a:endParaRPr lang="en-US" altLang="zh-CN" sz="1200" dirty="0" smtClean="0">
+              <a:solidFill>
+                <a:srgbClr val="000000"/>
+              </a:solidFill>
+              <a:latin typeface="+mn-ea"/>
+            </a:endParaRPr>
+          </a:p>
+          <a:p>
+            <a:pPr lvl="0">
+              <a:lnSpc>
+                <a:spcPct val="130000"/>
+              </a:lnSpc>
+            </a:pPr>
+            <a:endParaRPr lang="en-US" altLang="zh-CN" sz="1200" dirty="0" smtClean="0">
+              <a:solidFill>
+                <a:srgbClr val="000000"/>
+              </a:solidFill>
+              <a:latin typeface="+mn-ea"/>
+            </a:endParaRPr>
+          </a:p>
+          <a:p>
+            <a:pPr lvl="0">
+              <a:lnSpc>
+                <a:spcPct val="130000"/>
+              </a:lnSpc>
+            </a:pPr>
+            <a:endParaRPr lang="en-US" altLang="zh-CN" sz="1200" dirty="0" smtClean="0">
+              <a:solidFill>
+                <a:srgbClr val="000000"/>
+              </a:solidFill>
+              <a:latin typeface="+mn-ea"/>
+            </a:endParaRPr>
+          </a:p>
+          <a:p>
+            <a:pPr lvl="0">
+              <a:lnSpc>
+                <a:spcPct val="130000"/>
+              </a:lnSpc>
+            </a:pPr>
+            <a:r>
+              <a:rPr lang="zh-CN" altLang="en-US" sz="2000" dirty="0" smtClean="0">
+                <a:solidFill>
+                  <a:srgbClr val="000000"/>
+                </a:solidFill>
+                <a:latin typeface="+mn-ea"/>
+              </a:rPr>
+              <a:t>深度学习主机的功能：</a:t>
+            </a:r>
+            <a:endParaRPr lang="en-US" altLang="zh-CN" sz="2000" dirty="0" smtClean="0">
+              <a:solidFill>
+                <a:srgbClr val="000000"/>
+              </a:solidFill>
+              <a:latin typeface="+mn-ea"/>
+            </a:endParaRPr>
+          </a:p>
+          <a:p>
+            <a:pPr lvl="0">
+              <a:lnSpc>
+                <a:spcPct val="130000"/>
+              </a:lnSpc>
+            </a:pPr>
+            <a:r>
+              <a:rPr lang="zh-CN" altLang="en-US" sz="1200" dirty="0">
+                <a:solidFill>
+                  <a:srgbClr val="000000"/>
+                </a:solidFill>
+                <a:latin typeface="+mn-ea"/>
+              </a:rPr>
+              <a:t>深度</a:t>
+            </a:r>
+            <a:r>
+              <a:rPr lang="zh-CN" altLang="en-US" sz="1200" dirty="0" smtClean="0">
+                <a:solidFill>
+                  <a:srgbClr val="000000"/>
+                </a:solidFill>
+                <a:latin typeface="+mn-ea"/>
+              </a:rPr>
+              <a:t>学习主机通过我们自己通过经验提供的包含</a:t>
+            </a:r>
+            <a:r>
+              <a:rPr lang="en-US" altLang="zh-CN" sz="1200" dirty="0" smtClean="0">
+                <a:solidFill>
+                  <a:srgbClr val="000000"/>
+                </a:solidFill>
+                <a:latin typeface="+mn-ea"/>
+              </a:rPr>
+              <a:t>120</a:t>
+            </a:r>
+            <a:r>
+              <a:rPr lang="zh-CN" altLang="en-US" sz="1200" dirty="0" smtClean="0">
+                <a:solidFill>
+                  <a:srgbClr val="000000"/>
+                </a:solidFill>
+                <a:latin typeface="+mn-ea"/>
+              </a:rPr>
+              <a:t>条记录的</a:t>
+            </a:r>
+            <a:r>
+              <a:rPr lang="en-US" altLang="zh-CN" sz="1200" dirty="0" smtClean="0">
+                <a:solidFill>
+                  <a:srgbClr val="000000"/>
+                </a:solidFill>
+                <a:latin typeface="+mn-ea"/>
+              </a:rPr>
+              <a:t>csv</a:t>
+            </a:r>
+            <a:r>
+              <a:rPr lang="zh-CN" altLang="en-US" sz="1200" dirty="0" smtClean="0">
+                <a:solidFill>
+                  <a:srgbClr val="000000"/>
+                </a:solidFill>
+                <a:latin typeface="+mn-ea"/>
+              </a:rPr>
+              <a:t>文件训练了一个包含两个隐藏层，每个隐藏层有</a:t>
+            </a:r>
+            <a:r>
+              <a:rPr lang="en-US" altLang="zh-CN" sz="1200" dirty="0" smtClean="0">
+                <a:solidFill>
+                  <a:srgbClr val="000000"/>
+                </a:solidFill>
+                <a:latin typeface="+mn-ea"/>
+              </a:rPr>
+              <a:t>10</a:t>
+            </a:r>
+            <a:r>
+              <a:rPr lang="zh-CN" altLang="en-US" sz="1200" dirty="0" smtClean="0">
+                <a:solidFill>
+                  <a:srgbClr val="000000"/>
+                </a:solidFill>
+                <a:latin typeface="+mn-ea"/>
+              </a:rPr>
+              <a:t>个节点的神经网络。</a:t>
+            </a:r>
+            <a:endParaRPr lang="en-US" altLang="zh-CN" sz="1200" dirty="0" smtClean="0">
+              <a:solidFill>
+                <a:srgbClr val="000000"/>
+              </a:solidFill>
+              <a:latin typeface="+mn-ea"/>
+            </a:endParaRPr>
+          </a:p>
+          <a:p>
+            <a:pPr lvl="0">
+              <a:lnSpc>
+                <a:spcPct val="130000"/>
+              </a:lnSpc>
+            </a:pPr>
+            <a:r>
+              <a:rPr lang="zh-CN" altLang="en-US" sz="1200" dirty="0" smtClean="0">
+                <a:solidFill>
+                  <a:srgbClr val="000000"/>
+                </a:solidFill>
+                <a:latin typeface="+mn-ea"/>
+              </a:rPr>
+              <a:t>同时，为了普通虚拟机能够利用深度学习主机的训练好的模型，我们在深度学习主机上使用</a:t>
+            </a:r>
+            <a:r>
+              <a:rPr lang="en-US" altLang="zh-CN" sz="1200" dirty="0" smtClean="0">
+                <a:solidFill>
+                  <a:srgbClr val="000000"/>
+                </a:solidFill>
+                <a:latin typeface="+mn-ea"/>
+              </a:rPr>
+              <a:t>flask</a:t>
+            </a:r>
+            <a:r>
+              <a:rPr lang="zh-CN" altLang="en-US" sz="1200" dirty="0" smtClean="0">
+                <a:solidFill>
+                  <a:srgbClr val="000000"/>
+                </a:solidFill>
+                <a:latin typeface="+mn-ea"/>
+              </a:rPr>
+              <a:t>建站，实现两者的连接。</a:t>
+            </a:r>
+            <a:endParaRPr lang="en-US" altLang="zh-CN" sz="1200" dirty="0" smtClean="0">
+              <a:solidFill>
+                <a:srgbClr val="000000"/>
+              </a:solidFill>
+              <a:latin typeface="+mn-ea"/>
+            </a:endParaRPr>
+          </a:p>
+          <a:p>
+            <a:pPr lvl="0">
+              <a:lnSpc>
+                <a:spcPct val="130000"/>
+              </a:lnSpc>
+            </a:pPr>
+            <a:endParaRPr lang="en-US" altLang="zh-CN" sz="1200" dirty="0" smtClean="0">
+              <a:solidFill>
+                <a:srgbClr val="000000"/>
+              </a:solidFill>
+              <a:latin typeface="+mn-ea"/>
+            </a:endParaRPr>
+          </a:p>
+          <a:p>
+            <a:pPr lvl="0">
+              <a:lnSpc>
+                <a:spcPct val="130000"/>
+              </a:lnSpc>
+            </a:pPr>
+            <a:r>
+              <a:rPr lang="zh-CN" altLang="en-US" sz="2000" dirty="0" smtClean="0">
+                <a:solidFill>
+                  <a:srgbClr val="000000"/>
+                </a:solidFill>
+                <a:latin typeface="+mn-ea"/>
+              </a:rPr>
+              <a:t>效果总结：</a:t>
+            </a:r>
+            <a:endParaRPr lang="en-US" altLang="zh-CN" sz="2000" dirty="0">
+              <a:solidFill>
+                <a:srgbClr val="000000"/>
+              </a:solidFill>
+              <a:latin typeface="+mn-ea"/>
+            </a:endParaRPr>
+          </a:p>
+          <a:p>
+            <a:pPr lvl="0">
+              <a:lnSpc>
+                <a:spcPct val="130000"/>
+              </a:lnSpc>
+            </a:pPr>
+            <a:r>
+              <a:rPr lang="zh-CN" altLang="en-US" sz="1200" dirty="0" smtClean="0">
+                <a:solidFill>
+                  <a:srgbClr val="000000"/>
+                </a:solidFill>
+                <a:latin typeface="+mn-ea"/>
+              </a:rPr>
+              <a:t>实现效果： 用户通过微信公众号，查询指定区域的数据，普通主机返回给用户区域数据，并把区域数据给到深度学习主机给出判断结果，取回判断结果，一并返回给用户。</a:t>
+            </a:r>
+            <a:endParaRPr lang="zh-CN" altLang="en-US" sz="1200" dirty="0">
+              <a:solidFill>
+                <a:srgbClr val="000000"/>
+              </a:solidFill>
+              <a:latin typeface="+mn-ea"/>
+            </a:endParaRPr>
           </a:p>
         </p:txBody>
       </p:sp>
@@ -37827,8 +38224,8 @@
         </p:nvSpPr>
         <p:spPr>
           <a:xfrm>
-            <a:off x="1075045" y="1697616"/>
-            <a:ext cx="2236510" cy="492443"/>
+            <a:off x="935001" y="1615237"/>
+            <a:ext cx="1519968" cy="453457"/>
           </a:xfrm>
           <a:prstGeom prst="rect">
             <a:avLst/>
@@ -37851,12 +38248,12 @@
               </a:lnSpc>
             </a:pPr>
             <a:r>
-              <a:rPr lang="zh-CN" altLang="en-US" sz="2000" b="1" dirty="0">
+              <a:rPr lang="en-US" altLang="zh-CN" sz="2000" b="1" dirty="0" err="1" smtClean="0">
                 <a:solidFill>
                   <a:schemeClr val="bg1"/>
                 </a:solidFill>
               </a:rPr>
-              <a:t>点击此处添加标题</a:t>
+              <a:t>qingCloud</a:t>
             </a:r>
             <a:endParaRPr lang="en-US" altLang="zh-CN" sz="2000" b="1" dirty="0">
               <a:solidFill>
@@ -37866,506 +38263,6 @@
           </a:p>
         </p:txBody>
       </p:sp>
-      <p:sp>
-        <p:nvSpPr>
-          <p:cNvPr id="5" name="矩形 4"/>
-          <p:cNvSpPr/>
-          <p:nvPr/>
-        </p:nvSpPr>
-        <p:spPr>
-          <a:xfrm>
-            <a:off x="1075046" y="3457060"/>
-            <a:ext cx="1786908" cy="1435574"/>
-          </a:xfrm>
-          <a:prstGeom prst="rect">
-            <a:avLst/>
-          </a:prstGeom>
-          <a:solidFill>
-            <a:schemeClr val="accent5">
-              <a:lumMod val="50000"/>
-            </a:schemeClr>
-          </a:solidFill>
-          <a:ln>
-            <a:noFill/>
-          </a:ln>
-        </p:spPr>
-        <p:style>
-          <a:lnRef idx="2">
-            <a:schemeClr val="accent1">
-              <a:shade val="50000"/>
-            </a:schemeClr>
-          </a:lnRef>
-          <a:fillRef idx="1">
-            <a:schemeClr val="accent1"/>
-          </a:fillRef>
-          <a:effectRef idx="0">
-            <a:schemeClr val="accent1"/>
-          </a:effectRef>
-          <a:fontRef idx="minor">
-            <a:schemeClr val="lt1"/>
-          </a:fontRef>
-        </p:style>
-        <p:txBody>
-          <a:bodyPr rtlCol="0" anchor="ctr"/>
-          <a:lstStyle/>
-          <a:p>
-            <a:pPr algn="ctr"/>
-            <a:endParaRPr kumimoji="1" lang="zh-CN" altLang="en-US"/>
-          </a:p>
-        </p:txBody>
-      </p:sp>
-      <p:sp>
-        <p:nvSpPr>
-          <p:cNvPr id="6" name="矩形 5"/>
-          <p:cNvSpPr/>
-          <p:nvPr/>
-        </p:nvSpPr>
-        <p:spPr>
-          <a:xfrm>
-            <a:off x="2861953" y="3457060"/>
-            <a:ext cx="4536373" cy="1435574"/>
-          </a:xfrm>
-          <a:prstGeom prst="rect">
-            <a:avLst/>
-          </a:prstGeom>
-          <a:solidFill>
-            <a:schemeClr val="accent5">
-              <a:lumMod val="75000"/>
-            </a:schemeClr>
-          </a:solidFill>
-          <a:ln>
-            <a:noFill/>
-          </a:ln>
-        </p:spPr>
-        <p:style>
-          <a:lnRef idx="2">
-            <a:schemeClr val="accent1">
-              <a:shade val="50000"/>
-            </a:schemeClr>
-          </a:lnRef>
-          <a:fillRef idx="1">
-            <a:schemeClr val="accent1"/>
-          </a:fillRef>
-          <a:effectRef idx="0">
-            <a:schemeClr val="accent1"/>
-          </a:effectRef>
-          <a:fontRef idx="minor">
-            <a:schemeClr val="lt1"/>
-          </a:fontRef>
-        </p:style>
-        <p:txBody>
-          <a:bodyPr rtlCol="0" anchor="ctr"/>
-          <a:lstStyle/>
-          <a:p>
-            <a:pPr algn="ctr"/>
-            <a:endParaRPr kumimoji="1" lang="zh-CN" altLang="en-US"/>
-          </a:p>
-        </p:txBody>
-      </p:sp>
-      <p:sp>
-        <p:nvSpPr>
-          <p:cNvPr id="7" name="矩形 6"/>
-          <p:cNvSpPr/>
-          <p:nvPr/>
-        </p:nvSpPr>
-        <p:spPr>
-          <a:xfrm>
-            <a:off x="7398326" y="3457060"/>
-            <a:ext cx="702624" cy="1435574"/>
-          </a:xfrm>
-          <a:prstGeom prst="rect">
-            <a:avLst/>
-          </a:prstGeom>
-          <a:solidFill>
-            <a:schemeClr val="accent5"/>
-          </a:solidFill>
-          <a:ln>
-            <a:noFill/>
-          </a:ln>
-        </p:spPr>
-        <p:style>
-          <a:lnRef idx="2">
-            <a:schemeClr val="accent1">
-              <a:shade val="50000"/>
-            </a:schemeClr>
-          </a:lnRef>
-          <a:fillRef idx="1">
-            <a:schemeClr val="accent1"/>
-          </a:fillRef>
-          <a:effectRef idx="0">
-            <a:schemeClr val="accent1"/>
-          </a:effectRef>
-          <a:fontRef idx="minor">
-            <a:schemeClr val="lt1"/>
-          </a:fontRef>
-        </p:style>
-        <p:txBody>
-          <a:bodyPr rtlCol="0" anchor="ctr"/>
-          <a:lstStyle/>
-          <a:p>
-            <a:pPr algn="ctr"/>
-            <a:endParaRPr kumimoji="1" lang="zh-CN" altLang="en-US"/>
-          </a:p>
-        </p:txBody>
-      </p:sp>
-      <p:sp>
-        <p:nvSpPr>
-          <p:cNvPr id="8" name="矩形 7"/>
-          <p:cNvSpPr/>
-          <p:nvPr/>
-        </p:nvSpPr>
-        <p:spPr>
-          <a:xfrm>
-            <a:off x="8100949" y="3457060"/>
-            <a:ext cx="3026229" cy="1435574"/>
-          </a:xfrm>
-          <a:prstGeom prst="rect">
-            <a:avLst/>
-          </a:prstGeom>
-          <a:solidFill>
-            <a:schemeClr val="accent5">
-              <a:lumMod val="60000"/>
-              <a:lumOff val="40000"/>
-            </a:schemeClr>
-          </a:solidFill>
-          <a:ln>
-            <a:noFill/>
-          </a:ln>
-        </p:spPr>
-        <p:style>
-          <a:lnRef idx="2">
-            <a:schemeClr val="accent1">
-              <a:shade val="50000"/>
-            </a:schemeClr>
-          </a:lnRef>
-          <a:fillRef idx="1">
-            <a:schemeClr val="accent1"/>
-          </a:fillRef>
-          <a:effectRef idx="0">
-            <a:schemeClr val="accent1"/>
-          </a:effectRef>
-          <a:fontRef idx="minor">
-            <a:schemeClr val="lt1"/>
-          </a:fontRef>
-        </p:style>
-        <p:txBody>
-          <a:bodyPr rtlCol="0" anchor="ctr"/>
-          <a:lstStyle/>
-          <a:p>
-            <a:pPr algn="ctr"/>
-            <a:endParaRPr kumimoji="1" lang="zh-CN" altLang="en-US"/>
-          </a:p>
-        </p:txBody>
-      </p:sp>
-      <p:cxnSp>
-        <p:nvCxnSpPr>
-          <p:cNvPr id="11" name="直线连接符 10"/>
-          <p:cNvCxnSpPr/>
-          <p:nvPr/>
-        </p:nvCxnSpPr>
-        <p:spPr>
-          <a:xfrm>
-            <a:off x="1075045" y="4892634"/>
-            <a:ext cx="0" cy="1140031"/>
-          </a:xfrm>
-          <a:prstGeom prst="line">
-            <a:avLst/>
-          </a:prstGeom>
-          <a:ln>
-            <a:solidFill>
-              <a:schemeClr val="accent5">
-                <a:lumMod val="75000"/>
-              </a:schemeClr>
-            </a:solidFill>
-          </a:ln>
-        </p:spPr>
-        <p:style>
-          <a:lnRef idx="1">
-            <a:schemeClr val="accent1"/>
-          </a:lnRef>
-          <a:fillRef idx="0">
-            <a:schemeClr val="accent1"/>
-          </a:fillRef>
-          <a:effectRef idx="0">
-            <a:schemeClr val="accent1"/>
-          </a:effectRef>
-          <a:fontRef idx="minor">
-            <a:schemeClr val="tx1"/>
-          </a:fontRef>
-        </p:style>
-      </p:cxnSp>
-      <p:cxnSp>
-        <p:nvCxnSpPr>
-          <p:cNvPr id="12" name="直线连接符 11"/>
-          <p:cNvCxnSpPr/>
-          <p:nvPr/>
-        </p:nvCxnSpPr>
-        <p:spPr>
-          <a:xfrm>
-            <a:off x="2861953" y="4892634"/>
-            <a:ext cx="0" cy="1140031"/>
-          </a:xfrm>
-          <a:prstGeom prst="line">
-            <a:avLst/>
-          </a:prstGeom>
-          <a:ln>
-            <a:solidFill>
-              <a:schemeClr val="accent5">
-                <a:lumMod val="75000"/>
-              </a:schemeClr>
-            </a:solidFill>
-          </a:ln>
-        </p:spPr>
-        <p:style>
-          <a:lnRef idx="1">
-            <a:schemeClr val="accent1"/>
-          </a:lnRef>
-          <a:fillRef idx="0">
-            <a:schemeClr val="accent1"/>
-          </a:fillRef>
-          <a:effectRef idx="0">
-            <a:schemeClr val="accent1"/>
-          </a:effectRef>
-          <a:fontRef idx="minor">
-            <a:schemeClr val="tx1"/>
-          </a:fontRef>
-        </p:style>
-      </p:cxnSp>
-      <p:cxnSp>
-        <p:nvCxnSpPr>
-          <p:cNvPr id="13" name="直线连接符 12"/>
-          <p:cNvCxnSpPr/>
-          <p:nvPr/>
-        </p:nvCxnSpPr>
-        <p:spPr>
-          <a:xfrm>
-            <a:off x="7390737" y="4892634"/>
-            <a:ext cx="0" cy="1140031"/>
-          </a:xfrm>
-          <a:prstGeom prst="line">
-            <a:avLst/>
-          </a:prstGeom>
-          <a:ln>
-            <a:solidFill>
-              <a:schemeClr val="accent5">
-                <a:lumMod val="75000"/>
-              </a:schemeClr>
-            </a:solidFill>
-          </a:ln>
-        </p:spPr>
-        <p:style>
-          <a:lnRef idx="1">
-            <a:schemeClr val="accent1"/>
-          </a:lnRef>
-          <a:fillRef idx="0">
-            <a:schemeClr val="accent1"/>
-          </a:fillRef>
-          <a:effectRef idx="0">
-            <a:schemeClr val="accent1"/>
-          </a:effectRef>
-          <a:fontRef idx="minor">
-            <a:schemeClr val="tx1"/>
-          </a:fontRef>
-        </p:style>
-      </p:cxnSp>
-      <p:cxnSp>
-        <p:nvCxnSpPr>
-          <p:cNvPr id="14" name="直线连接符 13"/>
-          <p:cNvCxnSpPr/>
-          <p:nvPr/>
-        </p:nvCxnSpPr>
-        <p:spPr>
-          <a:xfrm>
-            <a:off x="8081485" y="4892634"/>
-            <a:ext cx="0" cy="1140031"/>
-          </a:xfrm>
-          <a:prstGeom prst="line">
-            <a:avLst/>
-          </a:prstGeom>
-          <a:ln>
-            <a:solidFill>
-              <a:schemeClr val="accent5">
-                <a:lumMod val="75000"/>
-              </a:schemeClr>
-            </a:solidFill>
-          </a:ln>
-        </p:spPr>
-        <p:style>
-          <a:lnRef idx="1">
-            <a:schemeClr val="accent1"/>
-          </a:lnRef>
-          <a:fillRef idx="0">
-            <a:schemeClr val="accent1"/>
-          </a:fillRef>
-          <a:effectRef idx="0">
-            <a:schemeClr val="accent1"/>
-          </a:effectRef>
-          <a:fontRef idx="minor">
-            <a:schemeClr val="tx1"/>
-          </a:fontRef>
-        </p:style>
-      </p:cxnSp>
-      <p:cxnSp>
-        <p:nvCxnSpPr>
-          <p:cNvPr id="15" name="直线连接符 14"/>
-          <p:cNvCxnSpPr/>
-          <p:nvPr/>
-        </p:nvCxnSpPr>
-        <p:spPr>
-          <a:xfrm>
-            <a:off x="11131465" y="4892634"/>
-            <a:ext cx="0" cy="1140031"/>
-          </a:xfrm>
-          <a:prstGeom prst="line">
-            <a:avLst/>
-          </a:prstGeom>
-          <a:ln>
-            <a:solidFill>
-              <a:schemeClr val="accent5">
-                <a:lumMod val="75000"/>
-              </a:schemeClr>
-            </a:solidFill>
-          </a:ln>
-        </p:spPr>
-        <p:style>
-          <a:lnRef idx="1">
-            <a:schemeClr val="accent1"/>
-          </a:lnRef>
-          <a:fillRef idx="0">
-            <a:schemeClr val="accent1"/>
-          </a:fillRef>
-          <a:effectRef idx="0">
-            <a:schemeClr val="accent1"/>
-          </a:effectRef>
-          <a:fontRef idx="minor">
-            <a:schemeClr val="tx1"/>
-          </a:fontRef>
-        </p:style>
-      </p:cxnSp>
-      <p:sp>
-        <p:nvSpPr>
-          <p:cNvPr id="16" name="矩形 15"/>
-          <p:cNvSpPr/>
-          <p:nvPr/>
-        </p:nvSpPr>
-        <p:spPr>
-          <a:xfrm>
-            <a:off x="4008090" y="5292728"/>
-            <a:ext cx="2236510" cy="492443"/>
-          </a:xfrm>
-          <a:prstGeom prst="rect">
-            <a:avLst/>
-          </a:prstGeom>
-        </p:spPr>
-        <p:txBody>
-          <a:bodyPr wrap="none">
-            <a:spAutoFit/>
-          </a:bodyPr>
-          <a:lstStyle/>
-          <a:p>
-            <a:pPr lvl="0">
-              <a:lnSpc>
-                <a:spcPct val="130000"/>
-              </a:lnSpc>
-            </a:pPr>
-            <a:r>
-              <a:rPr lang="zh-CN" altLang="en-US" sz="2000" b="1" dirty="0">
-                <a:solidFill>
-                  <a:schemeClr val="accent5">
-                    <a:lumMod val="75000"/>
-                  </a:schemeClr>
-                </a:solidFill>
-              </a:rPr>
-              <a:t>点击此处添加标题</a:t>
-            </a:r>
-            <a:endParaRPr lang="en-US" altLang="zh-CN" sz="2000" b="1" dirty="0">
-              <a:solidFill>
-                <a:schemeClr val="accent5">
-                  <a:lumMod val="75000"/>
-                </a:schemeClr>
-              </a:solidFill>
-            </a:endParaRPr>
-          </a:p>
-        </p:txBody>
-      </p:sp>
-      <p:sp>
-        <p:nvSpPr>
-          <p:cNvPr id="17" name="矩形 16"/>
-          <p:cNvSpPr/>
-          <p:nvPr/>
-        </p:nvSpPr>
-        <p:spPr>
-          <a:xfrm>
-            <a:off x="8497953" y="5292727"/>
-            <a:ext cx="2236510" cy="492443"/>
-          </a:xfrm>
-          <a:prstGeom prst="rect">
-            <a:avLst/>
-          </a:prstGeom>
-        </p:spPr>
-        <p:txBody>
-          <a:bodyPr wrap="none">
-            <a:spAutoFit/>
-          </a:bodyPr>
-          <a:lstStyle/>
-          <a:p>
-            <a:pPr lvl="0">
-              <a:lnSpc>
-                <a:spcPct val="130000"/>
-              </a:lnSpc>
-            </a:pPr>
-            <a:r>
-              <a:rPr lang="zh-CN" altLang="en-US" sz="2000" b="1" dirty="0">
-                <a:solidFill>
-                  <a:schemeClr val="accent5">
-                    <a:lumMod val="75000"/>
-                  </a:schemeClr>
-                </a:solidFill>
-              </a:rPr>
-              <a:t>点击此处添加标题</a:t>
-            </a:r>
-            <a:endParaRPr lang="en-US" altLang="zh-CN" sz="2000" b="1" dirty="0">
-              <a:solidFill>
-                <a:schemeClr val="accent5">
-                  <a:lumMod val="75000"/>
-                </a:schemeClr>
-              </a:solidFill>
-            </a:endParaRPr>
-          </a:p>
-        </p:txBody>
-      </p:sp>
-      <p:pic>
-        <p:nvPicPr>
-          <p:cNvPr id="18" name="图片 17">
-            <a:hlinkClick r:id="rId2"/>
-          </p:cNvPr>
-          <p:cNvPicPr>
-            <a:picLocks noChangeAspect="1"/>
-          </p:cNvPicPr>
-          <p:nvPr/>
-        </p:nvPicPr>
-        <p:blipFill>
-          <a:blip r:embed="rId3">
-            <a:extLst>
-              <a:ext uri="{28A0092B-C50C-407E-A947-70E740481C1C}">
-                <a14:useLocalDpi xmlns:a14="http://schemas.microsoft.com/office/drawing/2010/main" val="0"/>
-              </a:ext>
-            </a:extLst>
-          </a:blip>
-          <a:stretch>
-            <a:fillRect/>
-          </a:stretch>
-        </p:blipFill>
-        <p:spPr>
-          <a:xfrm>
-            <a:off x="9920574" y="450314"/>
-            <a:ext cx="1828800" cy="243840"/>
-          </a:xfrm>
-          <a:prstGeom prst="rect">
-            <a:avLst/>
-          </a:prstGeom>
-        </p:spPr>
-      </p:pic>
     </p:spTree>
     <p:extLst>
       <p:ext uri="{BB962C8B-B14F-4D97-AF65-F5344CB8AC3E}">
@@ -40053,7 +39950,7 @@
           <p:spPr>
             <a:xfrm>
               <a:off x="1030001" y="4724869"/>
-              <a:ext cx="2461441" cy="492443"/>
+              <a:ext cx="2461441" cy="453457"/>
             </a:xfrm>
             <a:prstGeom prst="rect">
               <a:avLst/>
@@ -40076,12 +39973,12 @@
                 </a:lnSpc>
               </a:pPr>
               <a:r>
-                <a:rPr lang="zh-CN" altLang="en-US" sz="2000" b="1" dirty="0">
+                <a:rPr lang="en-US" altLang="zh-CN" sz="2000" b="1" dirty="0" smtClean="0">
                   <a:solidFill>
                     <a:schemeClr val="bg1"/>
                   </a:solidFill>
                 </a:rPr>
-                <a:t>点击此处添加标题</a:t>
+                <a:t>VPC</a:t>
               </a:r>
               <a:endParaRPr lang="en-US" altLang="zh-CN" sz="2000" b="1" dirty="0">
                 <a:solidFill>
